--- a/旋转原理.pptx
+++ b/旋转原理.pptx
@@ -8,6 +8,7 @@
     <p:sldId id="258" r:id="rId2"/>
     <p:sldId id="259" r:id="rId3"/>
     <p:sldId id="260" r:id="rId4"/>
+    <p:sldId id="261" r:id="rId5"/>
   </p:sldIdLst>
   <p:sldSz cx="12192000" cy="6858000"/>
   <p:notesSz cx="6858000" cy="9144000"/>
@@ -3615,6 +3616,76 @@
           </a:p>
         </p:txBody>
       </p:sp>
+      <p:cxnSp>
+        <p:nvCxnSpPr>
+          <p:cNvPr id="21" name="直接连接符 20"/>
+          <p:cNvCxnSpPr/>
+          <p:nvPr/>
+        </p:nvCxnSpPr>
+        <p:spPr>
+          <a:xfrm>
+            <a:off x="4581525" y="590550"/>
+            <a:ext cx="0" cy="4743450"/>
+          </a:xfrm>
+          <a:prstGeom prst="line">
+            <a:avLst/>
+          </a:prstGeom>
+          <a:ln>
+            <a:solidFill>
+              <a:srgbClr val="FF0000"/>
+            </a:solidFill>
+          </a:ln>
+        </p:spPr>
+        <p:style>
+          <a:lnRef idx="1">
+            <a:schemeClr val="accent1"/>
+          </a:lnRef>
+          <a:fillRef idx="0">
+            <a:schemeClr val="accent1"/>
+          </a:fillRef>
+          <a:effectRef idx="0">
+            <a:schemeClr val="accent1"/>
+          </a:effectRef>
+          <a:fontRef idx="minor">
+            <a:schemeClr val="tx1"/>
+          </a:fontRef>
+        </p:style>
+      </p:cxnSp>
+      <p:cxnSp>
+        <p:nvCxnSpPr>
+          <p:cNvPr id="24" name="直接连接符 23"/>
+          <p:cNvCxnSpPr/>
+          <p:nvPr/>
+        </p:nvCxnSpPr>
+        <p:spPr>
+          <a:xfrm flipH="1">
+            <a:off x="3705173" y="1063330"/>
+            <a:ext cx="867106" cy="927394"/>
+          </a:xfrm>
+          <a:prstGeom prst="line">
+            <a:avLst/>
+          </a:prstGeom>
+          <a:ln>
+            <a:solidFill>
+              <a:srgbClr val="FF0000"/>
+            </a:solidFill>
+          </a:ln>
+        </p:spPr>
+        <p:style>
+          <a:lnRef idx="1">
+            <a:schemeClr val="accent1"/>
+          </a:lnRef>
+          <a:fillRef idx="0">
+            <a:schemeClr val="accent1"/>
+          </a:fillRef>
+          <a:effectRef idx="0">
+            <a:schemeClr val="accent1"/>
+          </a:effectRef>
+          <a:fontRef idx="minor">
+            <a:schemeClr val="tx1"/>
+          </a:fontRef>
+        </p:style>
+      </p:cxnSp>
     </p:spTree>
     <p:extLst>
       <p:ext uri="{BB962C8B-B14F-4D97-AF65-F5344CB8AC3E}">
@@ -4756,6 +4827,540 @@
     <p:extLst>
       <p:ext uri="{BB962C8B-B14F-4D97-AF65-F5344CB8AC3E}">
         <p14:creationId xmlns:p14="http://schemas.microsoft.com/office/powerpoint/2010/main" val="1578595640"/>
+      </p:ext>
+    </p:extLst>
+  </p:cSld>
+  <p:clrMapOvr>
+    <a:masterClrMapping/>
+  </p:clrMapOvr>
+  <p:timing>
+    <p:tnLst>
+      <p:par>
+        <p:cTn id="1" dur="indefinite" restart="never" nodeType="tmRoot"/>
+      </p:par>
+    </p:tnLst>
+  </p:timing>
+</p:sld>
+</file>
+
+<file path=ppt/slides/slide4.xml><?xml version="1.0" encoding="utf-8"?>
+<p:sld xmlns:a="http://schemas.openxmlformats.org/drawingml/2006/main" xmlns:r="http://schemas.openxmlformats.org/officeDocument/2006/relationships" xmlns:p="http://schemas.openxmlformats.org/presentationml/2006/main">
+  <p:cSld>
+    <p:spTree>
+      <p:nvGrpSpPr>
+        <p:cNvPr id="1" name=""/>
+        <p:cNvGrpSpPr/>
+        <p:nvPr/>
+      </p:nvGrpSpPr>
+      <p:grpSpPr>
+        <a:xfrm>
+          <a:off x="0" y="0"/>
+          <a:ext cx="0" cy="0"/>
+          <a:chOff x="0" y="0"/>
+          <a:chExt cx="0" cy="0"/>
+        </a:xfrm>
+      </p:grpSpPr>
+      <p:sp>
+        <p:nvSpPr>
+          <p:cNvPr id="14" name="文本框 13"/>
+          <p:cNvSpPr txBox="1"/>
+          <p:nvPr/>
+        </p:nvSpPr>
+        <p:spPr>
+          <a:xfrm>
+            <a:off x="333375" y="390525"/>
+            <a:ext cx="1504950" cy="1477328"/>
+          </a:xfrm>
+          <a:prstGeom prst="rect">
+            <a:avLst/>
+          </a:prstGeom>
+          <a:noFill/>
+        </p:spPr>
+        <p:txBody>
+          <a:bodyPr wrap="square" rtlCol="0">
+            <a:spAutoFit/>
+          </a:bodyPr>
+          <a:lstStyle/>
+          <a:p>
+            <a:r>
+              <a:rPr lang="en-US" altLang="zh-CN" dirty="0" smtClean="0"/>
+              <a:t>Left: 131</a:t>
+            </a:r>
+          </a:p>
+          <a:p>
+            <a:r>
+              <a:rPr lang="en-US" altLang="zh-CN" dirty="0" smtClean="0"/>
+              <a:t>Top: 80</a:t>
+            </a:r>
+          </a:p>
+          <a:p>
+            <a:r>
+              <a:rPr lang="en-US" altLang="zh-CN" dirty="0" smtClean="0"/>
+              <a:t>Width: 70</a:t>
+            </a:r>
+          </a:p>
+          <a:p>
+            <a:r>
+              <a:rPr lang="en-US" altLang="zh-CN" dirty="0" smtClean="0"/>
+              <a:t>Height: 40</a:t>
+            </a:r>
+          </a:p>
+          <a:p>
+            <a:r>
+              <a:rPr lang="en-US" altLang="zh-CN" dirty="0" smtClean="0"/>
+              <a:t>Rotate: 30</a:t>
+            </a:r>
+            <a:endParaRPr lang="zh-CN" altLang="en-US" dirty="0"/>
+          </a:p>
+        </p:txBody>
+      </p:sp>
+      <p:cxnSp>
+        <p:nvCxnSpPr>
+          <p:cNvPr id="43" name="直接连接符 42"/>
+          <p:cNvCxnSpPr/>
+          <p:nvPr/>
+        </p:nvCxnSpPr>
+        <p:spPr>
+          <a:xfrm>
+            <a:off x="904875" y="6710022"/>
+            <a:ext cx="10096500" cy="0"/>
+          </a:xfrm>
+          <a:prstGeom prst="line">
+            <a:avLst/>
+          </a:prstGeom>
+          <a:ln>
+            <a:solidFill>
+              <a:srgbClr val="FF0000"/>
+            </a:solidFill>
+          </a:ln>
+        </p:spPr>
+        <p:style>
+          <a:lnRef idx="1">
+            <a:schemeClr val="accent1"/>
+          </a:lnRef>
+          <a:fillRef idx="0">
+            <a:schemeClr val="accent1"/>
+          </a:fillRef>
+          <a:effectRef idx="0">
+            <a:schemeClr val="accent1"/>
+          </a:effectRef>
+          <a:fontRef idx="minor">
+            <a:schemeClr val="tx1"/>
+          </a:fontRef>
+        </p:style>
+      </p:cxnSp>
+      <p:sp>
+        <p:nvSpPr>
+          <p:cNvPr id="22" name="矩形 21"/>
+          <p:cNvSpPr/>
+          <p:nvPr/>
+        </p:nvSpPr>
+        <p:spPr>
+          <a:xfrm rot="5400000">
+            <a:off x="3695700" y="1978270"/>
+            <a:ext cx="2800350" cy="971550"/>
+          </a:xfrm>
+          <a:prstGeom prst="rect">
+            <a:avLst/>
+          </a:prstGeom>
+        </p:spPr>
+        <p:style>
+          <a:lnRef idx="2">
+            <a:schemeClr val="accent1">
+              <a:shade val="50000"/>
+            </a:schemeClr>
+          </a:lnRef>
+          <a:fillRef idx="1">
+            <a:schemeClr val="accent1"/>
+          </a:fillRef>
+          <a:effectRef idx="0">
+            <a:schemeClr val="accent1"/>
+          </a:effectRef>
+          <a:fontRef idx="minor">
+            <a:schemeClr val="lt1"/>
+          </a:fontRef>
+        </p:style>
+        <p:txBody>
+          <a:bodyPr rtlCol="0" anchor="ctr"/>
+          <a:lstStyle/>
+          <a:p>
+            <a:pPr algn="ctr"/>
+            <a:endParaRPr lang="zh-CN" altLang="en-US"/>
+          </a:p>
+        </p:txBody>
+      </p:sp>
+      <p:sp>
+        <p:nvSpPr>
+          <p:cNvPr id="13" name="文本框 12"/>
+          <p:cNvSpPr txBox="1"/>
+          <p:nvPr/>
+        </p:nvSpPr>
+        <p:spPr>
+          <a:xfrm>
+            <a:off x="4776787" y="5669225"/>
+            <a:ext cx="7196138" cy="646331"/>
+          </a:xfrm>
+          <a:prstGeom prst="rect">
+            <a:avLst/>
+          </a:prstGeom>
+          <a:noFill/>
+        </p:spPr>
+        <p:txBody>
+          <a:bodyPr wrap="square" rtlCol="0">
+            <a:spAutoFit/>
+          </a:bodyPr>
+          <a:lstStyle/>
+          <a:p>
+            <a:r>
+              <a:rPr lang="en-US" altLang="zh-CN" dirty="0" err="1" smtClean="0"/>
+              <a:t>newHeight</a:t>
+            </a:r>
+            <a:r>
+              <a:rPr lang="pt-BR" altLang="zh-CN" dirty="0" smtClean="0"/>
+              <a:t> = height * Math.cos(r) + width * Math.sin(r)</a:t>
+            </a:r>
+            <a:endParaRPr lang="zh-CN" altLang="en-US" dirty="0" smtClean="0"/>
+          </a:p>
+          <a:p>
+            <a:endParaRPr lang="zh-CN" altLang="en-US" dirty="0"/>
+          </a:p>
+        </p:txBody>
+      </p:sp>
+      <p:sp>
+        <p:nvSpPr>
+          <p:cNvPr id="26" name="矩形 25"/>
+          <p:cNvSpPr/>
+          <p:nvPr/>
+        </p:nvSpPr>
+        <p:spPr>
+          <a:xfrm>
+            <a:off x="3705173" y="1990725"/>
+            <a:ext cx="2800350" cy="971550"/>
+          </a:xfrm>
+          <a:prstGeom prst="rect">
+            <a:avLst/>
+          </a:prstGeom>
+        </p:spPr>
+        <p:style>
+          <a:lnRef idx="2">
+            <a:schemeClr val="accent1">
+              <a:shade val="50000"/>
+            </a:schemeClr>
+          </a:lnRef>
+          <a:fillRef idx="1">
+            <a:schemeClr val="accent1"/>
+          </a:fillRef>
+          <a:effectRef idx="0">
+            <a:schemeClr val="accent1"/>
+          </a:effectRef>
+          <a:fontRef idx="minor">
+            <a:schemeClr val="lt1"/>
+          </a:fontRef>
+        </p:style>
+        <p:txBody>
+          <a:bodyPr rtlCol="0" anchor="ctr"/>
+          <a:lstStyle/>
+          <a:p>
+            <a:pPr algn="ctr"/>
+            <a:endParaRPr lang="zh-CN" altLang="en-US"/>
+          </a:p>
+        </p:txBody>
+      </p:sp>
+      <p:sp>
+        <p:nvSpPr>
+          <p:cNvPr id="19" name="文本框 18"/>
+          <p:cNvSpPr txBox="1"/>
+          <p:nvPr/>
+        </p:nvSpPr>
+        <p:spPr>
+          <a:xfrm>
+            <a:off x="7367587" y="228600"/>
+            <a:ext cx="4710113" cy="369332"/>
+          </a:xfrm>
+          <a:prstGeom prst="rect">
+            <a:avLst/>
+          </a:prstGeom>
+          <a:noFill/>
+        </p:spPr>
+        <p:txBody>
+          <a:bodyPr wrap="square" rtlCol="0">
+            <a:spAutoFit/>
+          </a:bodyPr>
+          <a:lstStyle/>
+          <a:p>
+            <a:r>
+              <a:rPr lang="en-US" altLang="zh-CN" dirty="0" err="1" smtClean="0"/>
+              <a:t>diffTop</a:t>
+            </a:r>
+            <a:r>
+              <a:rPr lang="en-US" altLang="zh-CN" dirty="0" smtClean="0"/>
+              <a:t> = (</a:t>
+            </a:r>
+            <a:r>
+              <a:rPr lang="en-US" altLang="zh-CN" dirty="0" err="1" smtClean="0"/>
+              <a:t>newHeight</a:t>
+            </a:r>
+            <a:r>
+              <a:rPr lang="en-US" altLang="zh-CN" dirty="0" smtClean="0"/>
+              <a:t> – height</a:t>
+            </a:r>
+            <a:r>
+              <a:rPr lang="en-US" altLang="zh-CN" dirty="0" smtClean="0"/>
+              <a:t>) / 2</a:t>
+            </a:r>
+            <a:endParaRPr lang="zh-CN" altLang="en-US" dirty="0"/>
+          </a:p>
+        </p:txBody>
+      </p:sp>
+      <p:cxnSp>
+        <p:nvCxnSpPr>
+          <p:cNvPr id="20" name="直接连接符 19"/>
+          <p:cNvCxnSpPr/>
+          <p:nvPr/>
+        </p:nvCxnSpPr>
+        <p:spPr>
+          <a:xfrm>
+            <a:off x="1514475" y="2962275"/>
+            <a:ext cx="7743825" cy="0"/>
+          </a:xfrm>
+          <a:prstGeom prst="line">
+            <a:avLst/>
+          </a:prstGeom>
+          <a:ln>
+            <a:solidFill>
+              <a:srgbClr val="FF0000"/>
+            </a:solidFill>
+          </a:ln>
+        </p:spPr>
+        <p:style>
+          <a:lnRef idx="1">
+            <a:schemeClr val="accent1"/>
+          </a:lnRef>
+          <a:fillRef idx="0">
+            <a:schemeClr val="accent1"/>
+          </a:fillRef>
+          <a:effectRef idx="0">
+            <a:schemeClr val="accent1"/>
+          </a:effectRef>
+          <a:fontRef idx="minor">
+            <a:schemeClr val="tx1"/>
+          </a:fontRef>
+        </p:style>
+      </p:cxnSp>
+      <p:cxnSp>
+        <p:nvCxnSpPr>
+          <p:cNvPr id="52" name="直接连接符 51"/>
+          <p:cNvCxnSpPr/>
+          <p:nvPr/>
+        </p:nvCxnSpPr>
+        <p:spPr>
+          <a:xfrm>
+            <a:off x="1400175" y="1990725"/>
+            <a:ext cx="7743825" cy="0"/>
+          </a:xfrm>
+          <a:prstGeom prst="line">
+            <a:avLst/>
+          </a:prstGeom>
+          <a:ln>
+            <a:solidFill>
+              <a:srgbClr val="FF0000"/>
+            </a:solidFill>
+          </a:ln>
+        </p:spPr>
+        <p:style>
+          <a:lnRef idx="1">
+            <a:schemeClr val="accent1"/>
+          </a:lnRef>
+          <a:fillRef idx="0">
+            <a:schemeClr val="accent1"/>
+          </a:fillRef>
+          <a:effectRef idx="0">
+            <a:schemeClr val="accent1"/>
+          </a:effectRef>
+          <a:fontRef idx="minor">
+            <a:schemeClr val="tx1"/>
+          </a:fontRef>
+        </p:style>
+      </p:cxnSp>
+      <p:cxnSp>
+        <p:nvCxnSpPr>
+          <p:cNvPr id="21" name="直接连接符 20"/>
+          <p:cNvCxnSpPr/>
+          <p:nvPr/>
+        </p:nvCxnSpPr>
+        <p:spPr>
+          <a:xfrm>
+            <a:off x="1400175" y="1088240"/>
+            <a:ext cx="7743825" cy="0"/>
+          </a:xfrm>
+          <a:prstGeom prst="line">
+            <a:avLst/>
+          </a:prstGeom>
+          <a:ln>
+            <a:solidFill>
+              <a:srgbClr val="FF0000"/>
+            </a:solidFill>
+          </a:ln>
+        </p:spPr>
+        <p:style>
+          <a:lnRef idx="1">
+            <a:schemeClr val="accent1"/>
+          </a:lnRef>
+          <a:fillRef idx="0">
+            <a:schemeClr val="accent1"/>
+          </a:fillRef>
+          <a:effectRef idx="0">
+            <a:schemeClr val="accent1"/>
+          </a:effectRef>
+          <a:fontRef idx="minor">
+            <a:schemeClr val="tx1"/>
+          </a:fontRef>
+        </p:style>
+      </p:cxnSp>
+      <p:cxnSp>
+        <p:nvCxnSpPr>
+          <p:cNvPr id="23" name="直接连接符 22"/>
+          <p:cNvCxnSpPr/>
+          <p:nvPr/>
+        </p:nvCxnSpPr>
+        <p:spPr>
+          <a:xfrm>
+            <a:off x="1514475" y="3864760"/>
+            <a:ext cx="7743825" cy="0"/>
+          </a:xfrm>
+          <a:prstGeom prst="line">
+            <a:avLst/>
+          </a:prstGeom>
+          <a:ln>
+            <a:solidFill>
+              <a:srgbClr val="FF0000"/>
+            </a:solidFill>
+          </a:ln>
+        </p:spPr>
+        <p:style>
+          <a:lnRef idx="1">
+            <a:schemeClr val="accent1"/>
+          </a:lnRef>
+          <a:fillRef idx="0">
+            <a:schemeClr val="accent1"/>
+          </a:fillRef>
+          <a:effectRef idx="0">
+            <a:schemeClr val="accent1"/>
+          </a:effectRef>
+          <a:fontRef idx="minor">
+            <a:schemeClr val="tx1"/>
+          </a:fontRef>
+        </p:style>
+      </p:cxnSp>
+      <p:cxnSp>
+        <p:nvCxnSpPr>
+          <p:cNvPr id="4" name="直接连接符 3"/>
+          <p:cNvCxnSpPr/>
+          <p:nvPr/>
+        </p:nvCxnSpPr>
+        <p:spPr>
+          <a:xfrm>
+            <a:off x="5610225" y="313785"/>
+            <a:ext cx="0" cy="4657725"/>
+          </a:xfrm>
+          <a:prstGeom prst="line">
+            <a:avLst/>
+          </a:prstGeom>
+          <a:ln>
+            <a:solidFill>
+              <a:srgbClr val="FF0000"/>
+            </a:solidFill>
+          </a:ln>
+        </p:spPr>
+        <p:style>
+          <a:lnRef idx="1">
+            <a:schemeClr val="accent1"/>
+          </a:lnRef>
+          <a:fillRef idx="0">
+            <a:schemeClr val="accent1"/>
+          </a:fillRef>
+          <a:effectRef idx="0">
+            <a:schemeClr val="accent1"/>
+          </a:effectRef>
+          <a:fontRef idx="minor">
+            <a:schemeClr val="tx1"/>
+          </a:fontRef>
+        </p:style>
+      </p:cxnSp>
+      <p:cxnSp>
+        <p:nvCxnSpPr>
+          <p:cNvPr id="27" name="直接连接符 26"/>
+          <p:cNvCxnSpPr/>
+          <p:nvPr/>
+        </p:nvCxnSpPr>
+        <p:spPr>
+          <a:xfrm>
+            <a:off x="4572000" y="313785"/>
+            <a:ext cx="0" cy="4657725"/>
+          </a:xfrm>
+          <a:prstGeom prst="line">
+            <a:avLst/>
+          </a:prstGeom>
+          <a:ln>
+            <a:solidFill>
+              <a:srgbClr val="FF0000"/>
+            </a:solidFill>
+          </a:ln>
+        </p:spPr>
+        <p:style>
+          <a:lnRef idx="1">
+            <a:schemeClr val="accent1"/>
+          </a:lnRef>
+          <a:fillRef idx="0">
+            <a:schemeClr val="accent1"/>
+          </a:fillRef>
+          <a:effectRef idx="0">
+            <a:schemeClr val="accent1"/>
+          </a:effectRef>
+          <a:fontRef idx="minor">
+            <a:schemeClr val="tx1"/>
+          </a:fontRef>
+        </p:style>
+      </p:cxnSp>
+      <p:cxnSp>
+        <p:nvCxnSpPr>
+          <p:cNvPr id="30" name="直接连接符 29"/>
+          <p:cNvCxnSpPr/>
+          <p:nvPr/>
+        </p:nvCxnSpPr>
+        <p:spPr>
+          <a:xfrm>
+            <a:off x="1400175" y="1697840"/>
+            <a:ext cx="7743825" cy="0"/>
+          </a:xfrm>
+          <a:prstGeom prst="line">
+            <a:avLst/>
+          </a:prstGeom>
+          <a:ln>
+            <a:solidFill>
+              <a:srgbClr val="FF0000"/>
+            </a:solidFill>
+          </a:ln>
+        </p:spPr>
+        <p:style>
+          <a:lnRef idx="1">
+            <a:schemeClr val="accent1"/>
+          </a:lnRef>
+          <a:fillRef idx="0">
+            <a:schemeClr val="accent1"/>
+          </a:fillRef>
+          <a:effectRef idx="0">
+            <a:schemeClr val="accent1"/>
+          </a:effectRef>
+          <a:fontRef idx="minor">
+            <a:schemeClr val="tx1"/>
+          </a:fontRef>
+        </p:style>
+      </p:cxnSp>
+    </p:spTree>
+    <p:extLst>
+      <p:ext uri="{BB962C8B-B14F-4D97-AF65-F5344CB8AC3E}">
+        <p14:creationId xmlns:p14="http://schemas.microsoft.com/office/powerpoint/2010/main" val="91283522"/>
       </p:ext>
     </p:extLst>
   </p:cSld>
